--- a/Semana 8/clase8.pptx
+++ b/Semana 8/clase8.pptx
@@ -255,7 +255,7 @@
           <a:p>
             <a:fld id="{56EFBD41-8F30-499F-8836-9A8B592EDCF2}" type="datetimeFigureOut">
               <a:rPr lang="es-CR" smtClean="0"/>
-              <a:t>6/3/2019</a:t>
+              <a:t>27/3/2019</a:t>
             </a:fld>
             <a:endParaRPr lang="es-CR"/>
           </a:p>
@@ -420,7 +420,7 @@
           <a:p>
             <a:fld id="{701C4BE3-AD0D-43FB-97B9-68E31F3243AC}" type="datetimeFigureOut">
               <a:rPr lang="es-CR" smtClean="0"/>
-              <a:t>6/3/2019</a:t>
+              <a:t>27/3/2019</a:t>
             </a:fld>
             <a:endParaRPr lang="es-CR"/>
           </a:p>
@@ -830,7 +830,7 @@
           <a:p>
             <a:fld id="{EABE8AA6-12A8-4B45-AB18-A83908A3A2E6}" type="datetimeFigureOut">
               <a:rPr lang="es-ES" smtClean="0"/>
-              <a:t>06/03/2019</a:t>
+              <a:t>27/03/2019</a:t>
             </a:fld>
             <a:endParaRPr lang="es-ES"/>
           </a:p>
@@ -1000,7 +1000,7 @@
           <a:p>
             <a:fld id="{EABE8AA6-12A8-4B45-AB18-A83908A3A2E6}" type="datetimeFigureOut">
               <a:rPr lang="es-ES" smtClean="0"/>
-              <a:t>06/03/2019</a:t>
+              <a:t>27/03/2019</a:t>
             </a:fld>
             <a:endParaRPr lang="es-ES"/>
           </a:p>
@@ -1180,7 +1180,7 @@
           <a:p>
             <a:fld id="{EABE8AA6-12A8-4B45-AB18-A83908A3A2E6}" type="datetimeFigureOut">
               <a:rPr lang="es-ES" smtClean="0"/>
-              <a:t>06/03/2019</a:t>
+              <a:t>27/03/2019</a:t>
             </a:fld>
             <a:endParaRPr lang="es-ES"/>
           </a:p>
@@ -1383,7 +1383,7 @@
           <a:p>
             <a:fld id="{EABE8AA6-12A8-4B45-AB18-A83908A3A2E6}" type="datetimeFigureOut">
               <a:rPr lang="es-ES" smtClean="0"/>
-              <a:t>06/03/2019</a:t>
+              <a:t>27/03/2019</a:t>
             </a:fld>
             <a:endParaRPr lang="es-ES"/>
           </a:p>
@@ -1553,7 +1553,7 @@
           <a:p>
             <a:fld id="{EABE8AA6-12A8-4B45-AB18-A83908A3A2E6}" type="datetimeFigureOut">
               <a:rPr lang="es-ES" smtClean="0"/>
-              <a:t>06/03/2019</a:t>
+              <a:t>27/03/2019</a:t>
             </a:fld>
             <a:endParaRPr lang="es-ES"/>
           </a:p>
@@ -1804,7 +1804,7 @@
           <a:p>
             <a:fld id="{EABE8AA6-12A8-4B45-AB18-A83908A3A2E6}" type="datetimeFigureOut">
               <a:rPr lang="es-ES" smtClean="0"/>
-              <a:t>06/03/2019</a:t>
+              <a:t>27/03/2019</a:t>
             </a:fld>
             <a:endParaRPr lang="es-ES"/>
           </a:p>
@@ -2036,7 +2036,7 @@
           <a:p>
             <a:fld id="{EABE8AA6-12A8-4B45-AB18-A83908A3A2E6}" type="datetimeFigureOut">
               <a:rPr lang="es-ES" smtClean="0"/>
-              <a:t>06/03/2019</a:t>
+              <a:t>27/03/2019</a:t>
             </a:fld>
             <a:endParaRPr lang="es-ES"/>
           </a:p>
@@ -2383,7 +2383,7 @@
           <a:p>
             <a:fld id="{EABE8AA6-12A8-4B45-AB18-A83908A3A2E6}" type="datetimeFigureOut">
               <a:rPr lang="es-ES" smtClean="0"/>
-              <a:t>06/03/2019</a:t>
+              <a:t>27/03/2019</a:t>
             </a:fld>
             <a:endParaRPr lang="es-ES"/>
           </a:p>
@@ -2501,7 +2501,7 @@
           <a:p>
             <a:fld id="{73D7E00A-486F-4252-8B1D-E32645521F49}" type="datetime1">
               <a:rPr lang="en-US" smtClean="0"/>
-              <a:t>3/6/2019</a:t>
+              <a:t>3/27/2019</a:t>
             </a:fld>
             <a:endParaRPr lang="en-US"/>
           </a:p>
@@ -2619,7 +2619,7 @@
           <a:p>
             <a:fld id="{EABE8AA6-12A8-4B45-AB18-A83908A3A2E6}" type="datetimeFigureOut">
               <a:rPr lang="es-ES" smtClean="0"/>
-              <a:t>06/03/2019</a:t>
+              <a:t>27/03/2019</a:t>
             </a:fld>
             <a:endParaRPr lang="es-ES"/>
           </a:p>
@@ -2903,7 +2903,7 @@
           <a:p>
             <a:fld id="{EABE8AA6-12A8-4B45-AB18-A83908A3A2E6}" type="datetimeFigureOut">
               <a:rPr lang="es-ES" smtClean="0"/>
-              <a:t>06/03/2019</a:t>
+              <a:t>27/03/2019</a:t>
             </a:fld>
             <a:endParaRPr lang="es-ES"/>
           </a:p>
@@ -3073,7 +3073,7 @@
           <a:p>
             <a:fld id="{EABE8AA6-12A8-4B45-AB18-A83908A3A2E6}" type="datetimeFigureOut">
               <a:rPr lang="es-ES" smtClean="0"/>
-              <a:t>06/03/2019</a:t>
+              <a:t>27/03/2019</a:t>
             </a:fld>
             <a:endParaRPr lang="es-ES"/>
           </a:p>
@@ -3337,7 +3337,7 @@
           <a:p>
             <a:fld id="{EABE8AA6-12A8-4B45-AB18-A83908A3A2E6}" type="datetimeFigureOut">
               <a:rPr lang="es-ES" smtClean="0"/>
-              <a:t>06/03/2019</a:t>
+              <a:t>27/03/2019</a:t>
             </a:fld>
             <a:endParaRPr lang="es-ES"/>
           </a:p>
@@ -3507,7 +3507,7 @@
           <a:p>
             <a:fld id="{EABE8AA6-12A8-4B45-AB18-A83908A3A2E6}" type="datetimeFigureOut">
               <a:rPr lang="es-ES" smtClean="0"/>
-              <a:t>06/03/2019</a:t>
+              <a:t>27/03/2019</a:t>
             </a:fld>
             <a:endParaRPr lang="es-ES"/>
           </a:p>
@@ -3687,7 +3687,7 @@
           <a:p>
             <a:fld id="{EABE8AA6-12A8-4B45-AB18-A83908A3A2E6}" type="datetimeFigureOut">
               <a:rPr lang="es-ES" smtClean="0"/>
-              <a:t>06/03/2019</a:t>
+              <a:t>27/03/2019</a:t>
             </a:fld>
             <a:endParaRPr lang="es-ES"/>
           </a:p>
@@ -3879,7 +3879,7 @@
           <a:p>
             <a:fld id="{EABE8AA6-12A8-4B45-AB18-A83908A3A2E6}" type="datetimeFigureOut">
               <a:rPr lang="es-ES" smtClean="0"/>
-              <a:t>06/03/2019</a:t>
+              <a:t>27/03/2019</a:t>
             </a:fld>
             <a:endParaRPr lang="es-ES"/>
           </a:p>
@@ -4140,7 +4140,7 @@
           <a:p>
             <a:fld id="{EABE8AA6-12A8-4B45-AB18-A83908A3A2E6}" type="datetimeFigureOut">
               <a:rPr lang="es-ES" smtClean="0"/>
-              <a:t>06/03/2019</a:t>
+              <a:t>27/03/2019</a:t>
             </a:fld>
             <a:endParaRPr lang="es-ES"/>
           </a:p>
@@ -4531,7 +4531,7 @@
           <a:p>
             <a:fld id="{EABE8AA6-12A8-4B45-AB18-A83908A3A2E6}" type="datetimeFigureOut">
               <a:rPr lang="es-ES" smtClean="0"/>
-              <a:t>06/03/2019</a:t>
+              <a:t>27/03/2019</a:t>
             </a:fld>
             <a:endParaRPr lang="es-ES"/>
           </a:p>
@@ -4819,7 +4819,7 @@
           <a:p>
             <a:fld id="{EABE8AA6-12A8-4B45-AB18-A83908A3A2E6}" type="datetimeFigureOut">
               <a:rPr lang="es-ES" smtClean="0"/>
-              <a:t>06/03/2019</a:t>
+              <a:t>27/03/2019</a:t>
             </a:fld>
             <a:endParaRPr lang="es-ES"/>
           </a:p>
@@ -5242,7 +5242,7 @@
           <a:p>
             <a:fld id="{EABE8AA6-12A8-4B45-AB18-A83908A3A2E6}" type="datetimeFigureOut">
               <a:rPr lang="es-ES" smtClean="0"/>
-              <a:t>06/03/2019</a:t>
+              <a:t>27/03/2019</a:t>
             </a:fld>
             <a:endParaRPr lang="es-ES"/>
           </a:p>
@@ -5360,7 +5360,7 @@
           <a:p>
             <a:fld id="{73D7E00A-486F-4252-8B1D-E32645521F49}" type="datetime1">
               <a:rPr lang="en-US" smtClean="0"/>
-              <a:t>3/6/2019</a:t>
+              <a:t>3/27/2019</a:t>
             </a:fld>
             <a:endParaRPr lang="en-US"/>
           </a:p>
@@ -5455,7 +5455,7 @@
           <a:p>
             <a:fld id="{EABE8AA6-12A8-4B45-AB18-A83908A3A2E6}" type="datetimeFigureOut">
               <a:rPr lang="es-ES" smtClean="0"/>
-              <a:t>06/03/2019</a:t>
+              <a:t>27/03/2019</a:t>
             </a:fld>
             <a:endParaRPr lang="es-ES"/>
           </a:p>
@@ -5706,7 +5706,7 @@
           <a:p>
             <a:fld id="{EABE8AA6-12A8-4B45-AB18-A83908A3A2E6}" type="datetimeFigureOut">
               <a:rPr lang="es-ES" smtClean="0"/>
-              <a:t>06/03/2019</a:t>
+              <a:t>27/03/2019</a:t>
             </a:fld>
             <a:endParaRPr lang="es-ES"/>
           </a:p>
@@ -5983,7 +5983,7 @@
           <a:p>
             <a:fld id="{EABE8AA6-12A8-4B45-AB18-A83908A3A2E6}" type="datetimeFigureOut">
               <a:rPr lang="es-ES" smtClean="0"/>
-              <a:t>06/03/2019</a:t>
+              <a:t>27/03/2019</a:t>
             </a:fld>
             <a:endParaRPr lang="es-ES"/>
           </a:p>
@@ -6240,7 +6240,7 @@
           <a:p>
             <a:fld id="{EABE8AA6-12A8-4B45-AB18-A83908A3A2E6}" type="datetimeFigureOut">
               <a:rPr lang="es-ES" smtClean="0"/>
-              <a:t>06/03/2019</a:t>
+              <a:t>27/03/2019</a:t>
             </a:fld>
             <a:endParaRPr lang="es-ES"/>
           </a:p>
@@ -6410,7 +6410,7 @@
           <a:p>
             <a:fld id="{EABE8AA6-12A8-4B45-AB18-A83908A3A2E6}" type="datetimeFigureOut">
               <a:rPr lang="es-ES" smtClean="0"/>
-              <a:t>06/03/2019</a:t>
+              <a:t>27/03/2019</a:t>
             </a:fld>
             <a:endParaRPr lang="es-ES"/>
           </a:p>
@@ -6590,7 +6590,7 @@
           <a:p>
             <a:fld id="{EABE8AA6-12A8-4B45-AB18-A83908A3A2E6}" type="datetimeFigureOut">
               <a:rPr lang="es-ES" smtClean="0"/>
-              <a:t>06/03/2019</a:t>
+              <a:t>27/03/2019</a:t>
             </a:fld>
             <a:endParaRPr lang="es-ES"/>
           </a:p>
@@ -7130,7 +7130,7 @@
           <a:p>
             <a:fld id="{EABE8AA6-12A8-4B45-AB18-A83908A3A2E6}" type="datetimeFigureOut">
               <a:rPr lang="es-ES" smtClean="0"/>
-              <a:t>06/03/2019</a:t>
+              <a:t>27/03/2019</a:t>
             </a:fld>
             <a:endParaRPr lang="es-ES"/>
           </a:p>
@@ -7477,7 +7477,7 @@
           <a:p>
             <a:fld id="{EABE8AA6-12A8-4B45-AB18-A83908A3A2E6}" type="datetimeFigureOut">
               <a:rPr lang="es-ES" smtClean="0"/>
-              <a:t>06/03/2019</a:t>
+              <a:t>27/03/2019</a:t>
             </a:fld>
             <a:endParaRPr lang="es-ES"/>
           </a:p>
@@ -7595,7 +7595,7 @@
           <a:p>
             <a:fld id="{73D7E00A-486F-4252-8B1D-E32645521F49}" type="datetime1">
               <a:rPr lang="en-US" smtClean="0"/>
-              <a:t>3/6/2019</a:t>
+              <a:t>3/27/2019</a:t>
             </a:fld>
             <a:endParaRPr lang="en-US"/>
           </a:p>
@@ -8033,7 +8033,7 @@
           <a:p>
             <a:fld id="{EABE8AA6-12A8-4B45-AB18-A83908A3A2E6}" type="datetimeFigureOut">
               <a:rPr lang="es-ES" smtClean="0"/>
-              <a:t>06/03/2019</a:t>
+              <a:t>27/03/2019</a:t>
             </a:fld>
             <a:endParaRPr lang="es-ES"/>
           </a:p>
@@ -8297,7 +8297,7 @@
           <a:p>
             <a:fld id="{EABE8AA6-12A8-4B45-AB18-A83908A3A2E6}" type="datetimeFigureOut">
               <a:rPr lang="es-ES" smtClean="0"/>
-              <a:t>06/03/2019</a:t>
+              <a:t>27/03/2019</a:t>
             </a:fld>
             <a:endParaRPr lang="es-ES"/>
           </a:p>
@@ -8511,7 +8511,7 @@
           <a:p>
             <a:fld id="{5586B75A-687E-405C-8A0B-8D00578BA2C3}" type="datetime1">
               <a:rPr lang="en-US" smtClean="0"/>
-              <a:t>3/6/2019</a:t>
+              <a:t>3/27/2019</a:t>
             </a:fld>
             <a:endParaRPr lang="en-US"/>
           </a:p>
@@ -9041,7 +9041,7 @@
           <a:p>
             <a:fld id="{5586B75A-687E-405C-8A0B-8D00578BA2C3}" type="datetime1">
               <a:rPr lang="en-US" smtClean="0"/>
-              <a:t>3/6/2019</a:t>
+              <a:t>3/27/2019</a:t>
             </a:fld>
             <a:endParaRPr lang="en-US"/>
           </a:p>
@@ -9570,7 +9570,7 @@
           <a:p>
             <a:fld id="{5586B75A-687E-405C-8A0B-8D00578BA2C3}" type="datetime1">
               <a:rPr lang="en-US" smtClean="0"/>
-              <a:t>3/6/2019</a:t>
+              <a:t>3/27/2019</a:t>
             </a:fld>
             <a:endParaRPr lang="en-US"/>
           </a:p>
@@ -15365,7 +15365,7 @@
             </a:pPr>
             <a:r>
               <a:rPr lang="en-US" altLang="es-CR" dirty="0"/>
-              <a:t>UPDATE VEHICULO SET MOTOR = 'WCH7896'</a:t>
+              <a:t>UPDATE VEHICULO SET MOTOR = 'WCH7896’</a:t>
             </a:r>
           </a:p>
           <a:p>
@@ -15390,31 +15390,27 @@
             <a:endParaRPr lang="es-ES_tradnl" altLang="es-CR" dirty="0"/>
           </a:p>
           <a:p>
+            <a:pPr>
+              <a:buNone/>
+            </a:pPr>
+            <a:r>
+              <a:rPr lang="en-US" altLang="es-CR" dirty="0"/>
+              <a:t>UPDATE VEHICULO SET ID_MODELO = 3, </a:t>
+            </a:r>
+            <a:r>
+              <a:rPr lang="es-CR" altLang="es-CR"/>
+              <a:t>ano =1990</a:t>
+            </a:r>
+            <a:endParaRPr lang="en-US" altLang="es-CR" dirty="0"/>
+          </a:p>
+          <a:p>
             <a:pPr eaLnBrk="1" hangingPunct="1">
               <a:buFont typeface="Wingdings 3" pitchFamily="18" charset="2"/>
               <a:buNone/>
             </a:pPr>
             <a:r>
               <a:rPr lang="en-US" altLang="es-CR" dirty="0"/>
-              <a:t>UPDATE VEHICULO SET ID_MODELO = 3</a:t>
-            </a:r>
-          </a:p>
-          <a:p>
-            <a:pPr eaLnBrk="1" hangingPunct="1">
-              <a:buFont typeface="Wingdings 3" pitchFamily="18" charset="2"/>
-              <a:buNone/>
-            </a:pPr>
-            <a:r>
-              <a:rPr lang="en-US" altLang="es-CR" dirty="0"/>
-              <a:t>WHERE ID_MARCA = 1 </a:t>
-            </a:r>
-            <a:r>
-              <a:rPr lang="en-US" altLang="es-CR"/>
-              <a:t>AND ANO </a:t>
-            </a:r>
-            <a:r>
-              <a:rPr lang="en-US" altLang="es-CR" dirty="0"/>
-              <a:t>&gt;= 1990;</a:t>
+              <a:t>WHERE ID_MARCA = 1 AND ANO &gt;= 1990;</a:t>
             </a:r>
           </a:p>
           <a:p>
@@ -16438,7 +16434,7 @@
           <a:graphicData uri="http://schemas.openxmlformats.org/presentationml/2006/ole">
             <mc:AlternateContent xmlns:mc="http://schemas.openxmlformats.org/markup-compatibility/2006">
               <mc:Choice xmlns:v="urn:schemas-microsoft-com:vml" Requires="v">
-                <p:oleObj spid="_x0000_s1031" name="Imagen de mapa de bits" r:id="rId3" imgW="4371429" imgH="2610214" progId="PBrush">
+                <p:oleObj spid="_x0000_s1033" name="Imagen de mapa de bits" r:id="rId3" imgW="4371429" imgH="2610214" progId="PBrush">
                   <p:embed/>
                 </p:oleObj>
               </mc:Choice>
